--- a/fig/network.pptx
+++ b/fig/network.pptx
@@ -3139,7 +3139,7 @@
         </p:nvGrpSpPr>
         <p:grpSpPr>
           <a:xfrm>
-            <a:off x="6358255" y="9132570"/>
+            <a:off x="6379210" y="9153525"/>
             <a:ext cx="2244090" cy="1874520"/>
             <a:chOff x="21060" y="14229"/>
             <a:chExt cx="3534" cy="2952"/>
@@ -3362,7 +3362,6 @@
             <a:p>
               <a:r>
                 <a:rPr lang="x-none" altLang="en-US" sz="2600" b="1">
-                  <a:ln/>
                   <a:solidFill>
                     <a:schemeClr val="tx1"/>
                   </a:solidFill>
@@ -3378,7 +3377,6 @@
                 <a:t>STN</a:t>
               </a:r>
               <a:endParaRPr lang="x-none" altLang="en-US" sz="2600" b="1">
-                <a:ln/>
                 <a:solidFill>
                   <a:schemeClr val="tx1"/>
                 </a:solidFill>
@@ -3593,7 +3591,7 @@
         <p:spPr>
           <a:xfrm>
             <a:off x="10709275" y="16308705"/>
-            <a:ext cx="1526540" cy="396240"/>
+            <a:ext cx="705485" cy="396240"/>
           </a:xfrm>
           <a:prstGeom prst="rect">
             <a:avLst/>
@@ -3616,7 +3614,7 @@
                 </a:effectLst>
                 <a:latin typeface="Times New Roman" charset="0"/>
               </a:rPr>
-              <a:t>RGB + HHA</a:t>
+              <a:t>RGB</a:t>
             </a:r>
             <a:endParaRPr lang="x-none" altLang="en-US" sz="2000">
               <a:effectLst>
